--- a/Meeting_3/Slides_Meeting_3.pptx
+++ b/Meeting_3/Slides_Meeting_3.pptx
@@ -109,6 +109,11 @@
       </a:defRPr>
     </a:lvl9pPr>
   </p:defaultTextStyle>
+  <p:extLst>
+    <p:ext uri="{EFAFB233-063F-42B5-8137-9DF3F51BA10A}">
+      <p15:sldGuideLst xmlns:p15="http://schemas.microsoft.com/office/powerpoint/2012/main"/>
+    </p:ext>
+  </p:extLst>
 </p:presentation>
 </file>
 
@@ -261,7 +266,7 @@
           <a:p>
             <a:fld id="{5DB45165-40C4-4B59-8A92-E41D2D7E249A}" type="datetimeFigureOut">
               <a:rPr lang="nl-BE" smtClean="0"/>
-              <a:t>27/11/2021</a:t>
+              <a:t>28/11/2021</a:t>
             </a:fld>
             <a:endParaRPr lang="nl-BE"/>
           </a:p>
@@ -461,7 +466,7 @@
           <a:p>
             <a:fld id="{5DB45165-40C4-4B59-8A92-E41D2D7E249A}" type="datetimeFigureOut">
               <a:rPr lang="nl-BE" smtClean="0"/>
-              <a:t>27/11/2021</a:t>
+              <a:t>28/11/2021</a:t>
             </a:fld>
             <a:endParaRPr lang="nl-BE"/>
           </a:p>
@@ -671,7 +676,7 @@
           <a:p>
             <a:fld id="{5DB45165-40C4-4B59-8A92-E41D2D7E249A}" type="datetimeFigureOut">
               <a:rPr lang="nl-BE" smtClean="0"/>
-              <a:t>27/11/2021</a:t>
+              <a:t>28/11/2021</a:t>
             </a:fld>
             <a:endParaRPr lang="nl-BE"/>
           </a:p>
@@ -871,7 +876,7 @@
           <a:p>
             <a:fld id="{5DB45165-40C4-4B59-8A92-E41D2D7E249A}" type="datetimeFigureOut">
               <a:rPr lang="nl-BE" smtClean="0"/>
-              <a:t>27/11/2021</a:t>
+              <a:t>28/11/2021</a:t>
             </a:fld>
             <a:endParaRPr lang="nl-BE"/>
           </a:p>
@@ -1147,7 +1152,7 @@
           <a:p>
             <a:fld id="{5DB45165-40C4-4B59-8A92-E41D2D7E249A}" type="datetimeFigureOut">
               <a:rPr lang="nl-BE" smtClean="0"/>
-              <a:t>27/11/2021</a:t>
+              <a:t>28/11/2021</a:t>
             </a:fld>
             <a:endParaRPr lang="nl-BE"/>
           </a:p>
@@ -1415,7 +1420,7 @@
           <a:p>
             <a:fld id="{5DB45165-40C4-4B59-8A92-E41D2D7E249A}" type="datetimeFigureOut">
               <a:rPr lang="nl-BE" smtClean="0"/>
-              <a:t>27/11/2021</a:t>
+              <a:t>28/11/2021</a:t>
             </a:fld>
             <a:endParaRPr lang="nl-BE"/>
           </a:p>
@@ -1830,7 +1835,7 @@
           <a:p>
             <a:fld id="{5DB45165-40C4-4B59-8A92-E41D2D7E249A}" type="datetimeFigureOut">
               <a:rPr lang="nl-BE" smtClean="0"/>
-              <a:t>27/11/2021</a:t>
+              <a:t>28/11/2021</a:t>
             </a:fld>
             <a:endParaRPr lang="nl-BE"/>
           </a:p>
@@ -1972,7 +1977,7 @@
           <a:p>
             <a:fld id="{5DB45165-40C4-4B59-8A92-E41D2D7E249A}" type="datetimeFigureOut">
               <a:rPr lang="nl-BE" smtClean="0"/>
-              <a:t>27/11/2021</a:t>
+              <a:t>28/11/2021</a:t>
             </a:fld>
             <a:endParaRPr lang="nl-BE"/>
           </a:p>
@@ -2085,7 +2090,7 @@
           <a:p>
             <a:fld id="{5DB45165-40C4-4B59-8A92-E41D2D7E249A}" type="datetimeFigureOut">
               <a:rPr lang="nl-BE" smtClean="0"/>
-              <a:t>27/11/2021</a:t>
+              <a:t>28/11/2021</a:t>
             </a:fld>
             <a:endParaRPr lang="nl-BE"/>
           </a:p>
@@ -2398,7 +2403,7 @@
           <a:p>
             <a:fld id="{5DB45165-40C4-4B59-8A92-E41D2D7E249A}" type="datetimeFigureOut">
               <a:rPr lang="nl-BE" smtClean="0"/>
-              <a:t>27/11/2021</a:t>
+              <a:t>28/11/2021</a:t>
             </a:fld>
             <a:endParaRPr lang="nl-BE"/>
           </a:p>
@@ -2687,7 +2692,7 @@
           <a:p>
             <a:fld id="{5DB45165-40C4-4B59-8A92-E41D2D7E249A}" type="datetimeFigureOut">
               <a:rPr lang="nl-BE" smtClean="0"/>
-              <a:t>27/11/2021</a:t>
+              <a:t>28/11/2021</a:t>
             </a:fld>
             <a:endParaRPr lang="nl-BE"/>
           </a:p>
@@ -2930,7 +2935,7 @@
           <a:p>
             <a:fld id="{5DB45165-40C4-4B59-8A92-E41D2D7E249A}" type="datetimeFigureOut">
               <a:rPr lang="nl-BE" smtClean="0"/>
-              <a:t>27/11/2021</a:t>
+              <a:t>28/11/2021</a:t>
             </a:fld>
             <a:endParaRPr lang="nl-BE"/>
           </a:p>
@@ -3814,8 +3819,8 @@
           </a:p>
         </p:txBody>
       </p:sp>
-      <mc:AlternateContent xmlns:mc="http://schemas.openxmlformats.org/markup-compatibility/2006">
-        <mc:Choice xmlns:a14="http://schemas.microsoft.com/office/drawing/2010/main" Requires="a14">
+      <mc:AlternateContent xmlns:mc="http://schemas.openxmlformats.org/markup-compatibility/2006" xmlns:a14="http://schemas.microsoft.com/office/drawing/2010/main">
+        <mc:Choice Requires="a14">
           <p:sp>
             <p:nvSpPr>
               <p:cNvPr id="7" name="TextBox 6">
@@ -3939,7 +3944,7 @@
             </p:txBody>
           </p:sp>
         </mc:Choice>
-        <mc:Fallback>
+        <mc:Fallback xmlns="">
           <p:sp>
             <p:nvSpPr>
               <p:cNvPr id="7" name="TextBox 6">
@@ -4512,8 +4517,8 @@
           </a:p>
         </p:txBody>
       </p:sp>
-      <mc:AlternateContent xmlns:mc="http://schemas.openxmlformats.org/markup-compatibility/2006">
-        <mc:Choice xmlns:a14="http://schemas.microsoft.com/office/drawing/2010/main" Requires="a14">
+      <mc:AlternateContent xmlns:mc="http://schemas.openxmlformats.org/markup-compatibility/2006" xmlns:a14="http://schemas.microsoft.com/office/drawing/2010/main">
+        <mc:Choice Requires="a14">
           <p:sp>
             <p:nvSpPr>
               <p:cNvPr id="8" name="TextBox 7">
@@ -4608,7 +4613,7 @@
             </p:txBody>
           </p:sp>
         </mc:Choice>
-        <mc:Fallback>
+        <mc:Fallback xmlns="">
           <p:sp>
             <p:nvSpPr>
               <p:cNvPr id="8" name="TextBox 7">
@@ -4723,8 +4728,8 @@
           </a:p>
         </p:txBody>
       </p:sp>
-      <mc:AlternateContent xmlns:mc="http://schemas.openxmlformats.org/markup-compatibility/2006">
-        <mc:Choice xmlns:a14="http://schemas.microsoft.com/office/drawing/2010/main" Requires="a14">
+      <mc:AlternateContent xmlns:mc="http://schemas.openxmlformats.org/markup-compatibility/2006" xmlns:a14="http://schemas.microsoft.com/office/drawing/2010/main">
+        <mc:Choice Requires="a14">
           <p:sp>
             <p:nvSpPr>
               <p:cNvPr id="3" name="Content Placeholder 2">
@@ -5439,7 +5444,7 @@
             </p:txBody>
           </p:sp>
         </mc:Choice>
-        <mc:Fallback>
+        <mc:Fallback xmlns="">
           <p:sp>
             <p:nvSpPr>
               <p:cNvPr id="3" name="Content Placeholder 2">
@@ -5508,8 +5513,8 @@
           </a:prstGeom>
         </p:spPr>
       </p:pic>
-      <mc:AlternateContent xmlns:mc="http://schemas.openxmlformats.org/markup-compatibility/2006">
-        <mc:Choice xmlns:a14="http://schemas.microsoft.com/office/drawing/2010/main" Requires="a14">
+      <mc:AlternateContent xmlns:mc="http://schemas.openxmlformats.org/markup-compatibility/2006" xmlns:a14="http://schemas.microsoft.com/office/drawing/2010/main">
+        <mc:Choice Requires="a14">
           <p:sp>
             <p:nvSpPr>
               <p:cNvPr id="6" name="TextBox 5">
@@ -5757,7 +5762,7 @@
             </p:txBody>
           </p:sp>
         </mc:Choice>
-        <mc:Fallback>
+        <mc:Fallback xmlns="">
           <p:sp>
             <p:nvSpPr>
               <p:cNvPr id="6" name="TextBox 5">
@@ -5802,8 +5807,8 @@
           </p:sp>
         </mc:Fallback>
       </mc:AlternateContent>
-      <mc:AlternateContent xmlns:mc="http://schemas.openxmlformats.org/markup-compatibility/2006">
-        <mc:Choice xmlns:a14="http://schemas.microsoft.com/office/drawing/2010/main" Requires="a14">
+      <mc:AlternateContent xmlns:mc="http://schemas.openxmlformats.org/markup-compatibility/2006" xmlns:a14="http://schemas.microsoft.com/office/drawing/2010/main">
+        <mc:Choice Requires="a14">
           <p:sp>
             <p:nvSpPr>
               <p:cNvPr id="8" name="TextBox 7">
@@ -6051,7 +6056,7 @@
             </p:txBody>
           </p:sp>
         </mc:Choice>
-        <mc:Fallback>
+        <mc:Fallback xmlns="">
           <p:sp>
             <p:nvSpPr>
               <p:cNvPr id="8" name="TextBox 7">
@@ -6143,8 +6148,8 @@
           </a:p>
         </p:txBody>
       </p:sp>
-      <mc:AlternateContent xmlns:mc="http://schemas.openxmlformats.org/markup-compatibility/2006">
-        <mc:Choice xmlns:a14="http://schemas.microsoft.com/office/drawing/2010/main" Requires="a14">
+      <mc:AlternateContent xmlns:mc="http://schemas.openxmlformats.org/markup-compatibility/2006" xmlns:a14="http://schemas.microsoft.com/office/drawing/2010/main">
+        <mc:Choice Requires="a14">
           <p:sp>
             <p:nvSpPr>
               <p:cNvPr id="12" name="TextBox 11">
@@ -6388,7 +6393,7 @@
                     <m:sSup>
                       <m:sSupPr>
                         <m:ctrlPr>
-                          <a:rPr lang="nl-BE" sz="2400" b="0" i="0" smtClean="0">
+                          <a:rPr lang="nl-BE" sz="2400" b="0" i="1" smtClean="0">
                             <a:latin typeface="Cambria Math" panose="02040503050406030204" pitchFamily="18" charset="0"/>
                             <a:ea typeface="Cambria Math" panose="02040503050406030204" pitchFamily="18" charset="0"/>
                           </a:rPr>
@@ -6488,7 +6493,7 @@
             </p:txBody>
           </p:sp>
         </mc:Choice>
-        <mc:Fallback>
+        <mc:Fallback xmlns="">
           <p:sp>
             <p:nvSpPr>
               <p:cNvPr id="12" name="TextBox 11">
@@ -6533,8 +6538,8 @@
           </p:sp>
         </mc:Fallback>
       </mc:AlternateContent>
-      <mc:AlternateContent xmlns:mc="http://schemas.openxmlformats.org/markup-compatibility/2006">
-        <mc:Choice xmlns:a14="http://schemas.microsoft.com/office/drawing/2010/main" Requires="a14">
+      <mc:AlternateContent xmlns:mc="http://schemas.openxmlformats.org/markup-compatibility/2006" xmlns:a14="http://schemas.microsoft.com/office/drawing/2010/main">
+        <mc:Choice Requires="a14">
           <p:sp>
             <p:nvSpPr>
               <p:cNvPr id="13" name="TextBox 12">
@@ -6563,6 +6568,7 @@
               </a:bodyPr>
               <a:lstStyle/>
               <a:p>
+                <a:pPr/>
                 <a14:m>
                   <m:oMathPara xmlns:m="http://schemas.openxmlformats.org/officeDocument/2006/math">
                     <m:oMathParaPr>
@@ -6620,7 +6626,7 @@
             </p:txBody>
           </p:sp>
         </mc:Choice>
-        <mc:Fallback>
+        <mc:Fallback xmlns="">
           <p:sp>
             <p:nvSpPr>
               <p:cNvPr id="13" name="TextBox 12">
@@ -6694,8 +6700,8 @@
           </a:prstGeom>
         </p:spPr>
       </p:pic>
-      <mc:AlternateContent xmlns:mc="http://schemas.openxmlformats.org/markup-compatibility/2006">
-        <mc:Choice xmlns:a14="http://schemas.microsoft.com/office/drawing/2010/main" Requires="a14">
+      <mc:AlternateContent xmlns:mc="http://schemas.openxmlformats.org/markup-compatibility/2006" xmlns:a14="http://schemas.microsoft.com/office/drawing/2010/main">
+        <mc:Choice Requires="a14">
           <p:sp>
             <p:nvSpPr>
               <p:cNvPr id="16" name="TextBox 15">
@@ -6952,7 +6958,7 @@
             </p:txBody>
           </p:sp>
         </mc:Choice>
-        <mc:Fallback>
+        <mc:Fallback xmlns="">
           <p:sp>
             <p:nvSpPr>
               <p:cNvPr id="16" name="TextBox 15">
@@ -7072,8 +7078,8 @@
           </a:p>
         </p:txBody>
       </p:sp>
-      <mc:AlternateContent xmlns:mc="http://schemas.openxmlformats.org/markup-compatibility/2006">
-        <mc:Choice xmlns:a14="http://schemas.microsoft.com/office/drawing/2010/main" Requires="a14">
+      <mc:AlternateContent xmlns:mc="http://schemas.openxmlformats.org/markup-compatibility/2006" xmlns:a14="http://schemas.microsoft.com/office/drawing/2010/main">
+        <mc:Choice Requires="a14">
           <p:sp>
             <p:nvSpPr>
               <p:cNvPr id="3" name="Content Placeholder 2">
@@ -7614,13 +7620,7 @@
                       <a:rPr lang="nl-BE" sz="2000" b="0" i="0" smtClean="0">
                         <a:latin typeface="Cambria Math" panose="02040503050406030204" pitchFamily="18" charset="0"/>
                       </a:rPr>
-                      <m:t>)</m:t>
-                    </m:r>
-                    <m:r>
-                      <a:rPr lang="nl-BE" sz="2000" b="0" i="0" smtClean="0">
-                        <a:latin typeface="Cambria Math" panose="02040503050406030204" pitchFamily="18" charset="0"/>
-                      </a:rPr>
-                      <m:t>))</m:t>
+                      <m:t>)))</m:t>
                     </m:r>
                   </m:oMath>
                 </a14:m>
@@ -8140,7 +8140,7 @@
             </p:txBody>
           </p:sp>
         </mc:Choice>
-        <mc:Fallback>
+        <mc:Fallback xmlns="">
           <p:sp>
             <p:nvSpPr>
               <p:cNvPr id="3" name="Content Placeholder 2">
@@ -8209,8 +8209,8 @@
           </a:prstGeom>
         </p:spPr>
       </p:pic>
-      <mc:AlternateContent xmlns:mc="http://schemas.openxmlformats.org/markup-compatibility/2006">
-        <mc:Choice xmlns:a14="http://schemas.microsoft.com/office/drawing/2010/main" Requires="a14">
+      <mc:AlternateContent xmlns:mc="http://schemas.openxmlformats.org/markup-compatibility/2006" xmlns:a14="http://schemas.microsoft.com/office/drawing/2010/main">
+        <mc:Choice Requires="a14">
           <p:sp>
             <p:nvSpPr>
               <p:cNvPr id="12" name="TextBox 11">
@@ -8341,7 +8341,7 @@
             </p:txBody>
           </p:sp>
         </mc:Choice>
-        <mc:Fallback>
+        <mc:Fallback xmlns="">
           <p:sp>
             <p:nvSpPr>
               <p:cNvPr id="12" name="TextBox 11">
@@ -8526,8 +8526,8 @@
           </a:p>
         </p:txBody>
       </p:sp>
-      <mc:AlternateContent xmlns:mc="http://schemas.openxmlformats.org/markup-compatibility/2006">
-        <mc:Choice xmlns:a14="http://schemas.microsoft.com/office/drawing/2010/main" Requires="a14">
+      <mc:AlternateContent xmlns:mc="http://schemas.openxmlformats.org/markup-compatibility/2006" xmlns:a14="http://schemas.microsoft.com/office/drawing/2010/main">
+        <mc:Choice Requires="a14">
           <p:sp>
             <p:nvSpPr>
               <p:cNvPr id="14" name="TextBox 13">
@@ -8633,7 +8633,7 @@
             </p:txBody>
           </p:sp>
         </mc:Choice>
-        <mc:Fallback>
+        <mc:Fallback xmlns="">
           <p:sp>
             <p:nvSpPr>
               <p:cNvPr id="14" name="TextBox 13">
@@ -8779,29 +8779,126 @@
         </p:nvSpPr>
         <p:spPr/>
         <p:txBody>
-          <a:bodyPr/>
+          <a:bodyPr>
+            <a:normAutofit/>
+          </a:bodyPr>
           <a:lstStyle/>
           <a:p>
             <a:r>
-              <a:rPr lang="nl-BE" dirty="0"/>
+              <a:rPr lang="nl-BE" sz="2400" dirty="0"/>
               <a:t>Check </a:t>
             </a:r>
             <a:r>
-              <a:rPr lang="nl-BE" dirty="0" err="1"/>
+              <a:rPr lang="nl-BE" sz="2400" dirty="0" err="1"/>
               <a:t>the</a:t>
             </a:r>
             <a:r>
-              <a:rPr lang="nl-BE" dirty="0"/>
+              <a:rPr lang="nl-BE" sz="2400" dirty="0"/>
               <a:t> </a:t>
             </a:r>
             <a:r>
-              <a:rPr lang="nl-BE" dirty="0" err="1"/>
+              <a:rPr lang="nl-BE" sz="2400" dirty="0" err="1"/>
               <a:t>propagation</a:t>
             </a:r>
             <a:r>
-              <a:rPr lang="nl-BE" dirty="0"/>
+              <a:rPr lang="nl-BE" sz="2400" dirty="0"/>
               <a:t> of P</a:t>
             </a:r>
+          </a:p>
+          <a:p>
+            <a:endParaRPr lang="nl-BE" sz="2400" dirty="0"/>
+          </a:p>
+          <a:p>
+            <a:r>
+              <a:rPr lang="nl-BE" sz="2400" dirty="0"/>
+              <a:t>We </a:t>
+            </a:r>
+            <a:r>
+              <a:rPr lang="nl-BE" sz="2400" dirty="0" err="1"/>
+              <a:t>can</a:t>
+            </a:r>
+            <a:r>
+              <a:rPr lang="nl-BE" sz="2400" dirty="0"/>
+              <a:t> take large time steps without </a:t>
+            </a:r>
+            <a:r>
+              <a:rPr lang="nl-BE" sz="2400" dirty="0" err="1"/>
+              <a:t>risking</a:t>
+            </a:r>
+            <a:r>
+              <a:rPr lang="nl-BE" sz="2400" dirty="0"/>
+              <a:t> </a:t>
+            </a:r>
+            <a:r>
+              <a:rPr lang="nl-BE" sz="2400" dirty="0" err="1"/>
+              <a:t>to</a:t>
+            </a:r>
+            <a:r>
+              <a:rPr lang="nl-BE" sz="2400" dirty="0"/>
+              <a:t> get </a:t>
+            </a:r>
+            <a:r>
+              <a:rPr lang="nl-BE" sz="2400" dirty="0" err="1"/>
+              <a:t>negative</a:t>
+            </a:r>
+            <a:r>
+              <a:rPr lang="nl-BE" sz="2400" dirty="0"/>
+              <a:t> </a:t>
+            </a:r>
+            <a:r>
+              <a:rPr lang="nl-BE" sz="2400" dirty="0" err="1"/>
+              <a:t>definite</a:t>
+            </a:r>
+            <a:r>
+              <a:rPr lang="nl-BE" sz="2400" dirty="0"/>
+              <a:t> P; </a:t>
+            </a:r>
+            <a:br>
+              <a:rPr lang="nl-BE" sz="2400" dirty="0"/>
+            </a:br>
+            <a:r>
+              <a:rPr lang="nl-BE" sz="2400" dirty="0" err="1"/>
+              <a:t>useful</a:t>
+            </a:r>
+            <a:r>
+              <a:rPr lang="nl-BE" sz="2400" dirty="0"/>
+              <a:t> </a:t>
+            </a:r>
+            <a:r>
+              <a:rPr lang="nl-BE" sz="2400" dirty="0" err="1"/>
+              <a:t>to</a:t>
+            </a:r>
+            <a:r>
+              <a:rPr lang="nl-BE" sz="2400" dirty="0"/>
+              <a:t> do </a:t>
+            </a:r>
+            <a:r>
+              <a:rPr lang="nl-BE" sz="2400" dirty="0" err="1"/>
+              <a:t>testruns</a:t>
+            </a:r>
+            <a:r>
+              <a:rPr lang="nl-BE" sz="2400" dirty="0"/>
+              <a:t> of </a:t>
+            </a:r>
+            <a:r>
+              <a:rPr lang="nl-BE" sz="2400" dirty="0" err="1"/>
+              <a:t>stochastic</a:t>
+            </a:r>
+            <a:r>
+              <a:rPr lang="nl-BE" sz="2400" dirty="0"/>
+              <a:t> </a:t>
+            </a:r>
+            <a:r>
+              <a:rPr lang="nl-BE" sz="2400" dirty="0" err="1"/>
+              <a:t>OCPs</a:t>
+            </a:r>
+            <a:endParaRPr lang="nl-BE" sz="2400" dirty="0"/>
+          </a:p>
+          <a:p>
+            <a:endParaRPr lang="nl-BE" sz="2400" dirty="0"/>
+          </a:p>
+          <a:p>
+            <a:endParaRPr lang="nl-BE" sz="2400" dirty="0"/>
           </a:p>
         </p:txBody>
       </p:sp>

--- a/Meeting_3/Slides_Meeting_3.pptx
+++ b/Meeting_3/Slides_Meeting_3.pptx
@@ -266,7 +266,7 @@
           <a:p>
             <a:fld id="{5DB45165-40C4-4B59-8A92-E41D2D7E249A}" type="datetimeFigureOut">
               <a:rPr lang="nl-BE" smtClean="0"/>
-              <a:t>28/11/2021</a:t>
+              <a:t>29/11/2021</a:t>
             </a:fld>
             <a:endParaRPr lang="nl-BE"/>
           </a:p>
@@ -466,7 +466,7 @@
           <a:p>
             <a:fld id="{5DB45165-40C4-4B59-8A92-E41D2D7E249A}" type="datetimeFigureOut">
               <a:rPr lang="nl-BE" smtClean="0"/>
-              <a:t>28/11/2021</a:t>
+              <a:t>29/11/2021</a:t>
             </a:fld>
             <a:endParaRPr lang="nl-BE"/>
           </a:p>
@@ -676,7 +676,7 @@
           <a:p>
             <a:fld id="{5DB45165-40C4-4B59-8A92-E41D2D7E249A}" type="datetimeFigureOut">
               <a:rPr lang="nl-BE" smtClean="0"/>
-              <a:t>28/11/2021</a:t>
+              <a:t>29/11/2021</a:t>
             </a:fld>
             <a:endParaRPr lang="nl-BE"/>
           </a:p>
@@ -876,7 +876,7 @@
           <a:p>
             <a:fld id="{5DB45165-40C4-4B59-8A92-E41D2D7E249A}" type="datetimeFigureOut">
               <a:rPr lang="nl-BE" smtClean="0"/>
-              <a:t>28/11/2021</a:t>
+              <a:t>29/11/2021</a:t>
             </a:fld>
             <a:endParaRPr lang="nl-BE"/>
           </a:p>
@@ -1152,7 +1152,7 @@
           <a:p>
             <a:fld id="{5DB45165-40C4-4B59-8A92-E41D2D7E249A}" type="datetimeFigureOut">
               <a:rPr lang="nl-BE" smtClean="0"/>
-              <a:t>28/11/2021</a:t>
+              <a:t>29/11/2021</a:t>
             </a:fld>
             <a:endParaRPr lang="nl-BE"/>
           </a:p>
@@ -1420,7 +1420,7 @@
           <a:p>
             <a:fld id="{5DB45165-40C4-4B59-8A92-E41D2D7E249A}" type="datetimeFigureOut">
               <a:rPr lang="nl-BE" smtClean="0"/>
-              <a:t>28/11/2021</a:t>
+              <a:t>29/11/2021</a:t>
             </a:fld>
             <a:endParaRPr lang="nl-BE"/>
           </a:p>
@@ -1835,7 +1835,7 @@
           <a:p>
             <a:fld id="{5DB45165-40C4-4B59-8A92-E41D2D7E249A}" type="datetimeFigureOut">
               <a:rPr lang="nl-BE" smtClean="0"/>
-              <a:t>28/11/2021</a:t>
+              <a:t>29/11/2021</a:t>
             </a:fld>
             <a:endParaRPr lang="nl-BE"/>
           </a:p>
@@ -1977,7 +1977,7 @@
           <a:p>
             <a:fld id="{5DB45165-40C4-4B59-8A92-E41D2D7E249A}" type="datetimeFigureOut">
               <a:rPr lang="nl-BE" smtClean="0"/>
-              <a:t>28/11/2021</a:t>
+              <a:t>29/11/2021</a:t>
             </a:fld>
             <a:endParaRPr lang="nl-BE"/>
           </a:p>
@@ -2090,7 +2090,7 @@
           <a:p>
             <a:fld id="{5DB45165-40C4-4B59-8A92-E41D2D7E249A}" type="datetimeFigureOut">
               <a:rPr lang="nl-BE" smtClean="0"/>
-              <a:t>28/11/2021</a:t>
+              <a:t>29/11/2021</a:t>
             </a:fld>
             <a:endParaRPr lang="nl-BE"/>
           </a:p>
@@ -2403,7 +2403,7 @@
           <a:p>
             <a:fld id="{5DB45165-40C4-4B59-8A92-E41D2D7E249A}" type="datetimeFigureOut">
               <a:rPr lang="nl-BE" smtClean="0"/>
-              <a:t>28/11/2021</a:t>
+              <a:t>29/11/2021</a:t>
             </a:fld>
             <a:endParaRPr lang="nl-BE"/>
           </a:p>
@@ -2692,7 +2692,7 @@
           <a:p>
             <a:fld id="{5DB45165-40C4-4B59-8A92-E41D2D7E249A}" type="datetimeFigureOut">
               <a:rPr lang="nl-BE" smtClean="0"/>
-              <a:t>28/11/2021</a:t>
+              <a:t>29/11/2021</a:t>
             </a:fld>
             <a:endParaRPr lang="nl-BE"/>
           </a:p>
@@ -2935,7 +2935,7 @@
           <a:p>
             <a:fld id="{5DB45165-40C4-4B59-8A92-E41D2D7E249A}" type="datetimeFigureOut">
               <a:rPr lang="nl-BE" smtClean="0"/>
-              <a:t>28/11/2021</a:t>
+              <a:t>29/11/2021</a:t>
             </a:fld>
             <a:endParaRPr lang="nl-BE"/>
           </a:p>
@@ -4715,21 +4715,13 @@
             </a:r>
             <a:r>
               <a:rPr lang="nl-BE" dirty="0"/>
-              <a:t>: </a:t>
-            </a:r>
-            <a:r>
-              <a:rPr lang="nl-BE" dirty="0" err="1"/>
-              <a:t>foward</a:t>
-            </a:r>
-            <a:r>
-              <a:rPr lang="nl-BE" dirty="0"/>
-              <a:t> Euler</a:t>
+              <a:t>: forward Euler</a:t>
             </a:r>
           </a:p>
         </p:txBody>
       </p:sp>
-      <mc:AlternateContent xmlns:mc="http://schemas.openxmlformats.org/markup-compatibility/2006" xmlns:a14="http://schemas.microsoft.com/office/drawing/2010/main">
-        <mc:Choice Requires="a14">
+      <mc:AlternateContent xmlns:mc="http://schemas.openxmlformats.org/markup-compatibility/2006">
+        <mc:Choice xmlns:a14="http://schemas.microsoft.com/office/drawing/2010/main" Requires="a14">
           <p:sp>
             <p:nvSpPr>
               <p:cNvPr id="3" name="Content Placeholder 2">
@@ -4803,12 +4795,55 @@
                           <a:rPr lang="nl-BE" sz="2000" b="0" i="1" smtClean="0">
                             <a:latin typeface="Cambria Math" panose="02040503050406030204" pitchFamily="18" charset="0"/>
                           </a:rPr>
+                          <m:t>𝐹</m:t>
+                        </m:r>
+                        <m:r>
+                          <a:rPr lang="nl-BE" sz="2000" b="0" i="1" smtClean="0">
+                            <a:latin typeface="Cambria Math" panose="02040503050406030204" pitchFamily="18" charset="0"/>
+                          </a:rPr>
+                          <m:t>(</m:t>
+                        </m:r>
+                        <m:r>
+                          <a:rPr lang="nl-BE" sz="2000" b="0" i="1" smtClean="0">
+                            <a:latin typeface="Cambria Math" panose="02040503050406030204" pitchFamily="18" charset="0"/>
+                          </a:rPr>
                           <m:t>𝑧</m:t>
                         </m:r>
                       </m:e>
                       <m:sub>
                         <m:r>
                           <a:rPr lang="nl-BE" sz="2000" b="0" i="1" smtClean="0">
+                            <a:latin typeface="Cambria Math" panose="02040503050406030204" pitchFamily="18" charset="0"/>
+                          </a:rPr>
+                          <m:t>𝑘</m:t>
+                        </m:r>
+                      </m:sub>
+                    </m:sSub>
+                    <m:r>
+                      <a:rPr lang="nl-BE" sz="2000" b="0" i="1" smtClean="0">
+                        <a:latin typeface="Cambria Math" panose="02040503050406030204" pitchFamily="18" charset="0"/>
+                      </a:rPr>
+                      <m:t>)=</m:t>
+                    </m:r>
+                    <m:sSub>
+                      <m:sSubPr>
+                        <m:ctrlPr>
+                          <a:rPr lang="nl-BE" sz="2000" i="1">
+                            <a:latin typeface="Cambria Math" panose="02040503050406030204" pitchFamily="18" charset="0"/>
+                          </a:rPr>
+                        </m:ctrlPr>
+                      </m:sSubPr>
+                      <m:e>
+                        <m:r>
+                          <a:rPr lang="nl-BE" sz="2000" b="0" i="1" smtClean="0">
+                            <a:latin typeface="Cambria Math" panose="02040503050406030204" pitchFamily="18" charset="0"/>
+                          </a:rPr>
+                          <m:t>𝑧</m:t>
+                        </m:r>
+                      </m:e>
+                      <m:sub>
+                        <m:r>
+                          <a:rPr lang="nl-BE" sz="2000" i="1">
                             <a:latin typeface="Cambria Math" panose="02040503050406030204" pitchFamily="18" charset="0"/>
                           </a:rPr>
                           <m:t>𝑘</m:t>
@@ -5444,7 +5479,7 @@
             </p:txBody>
           </p:sp>
         </mc:Choice>
-        <mc:Fallback xmlns="">
+        <mc:Fallback>
           <p:sp>
             <p:nvSpPr>
               <p:cNvPr id="3" name="Content Placeholder 2">
@@ -5505,8 +5540,8 @@
         </p:blipFill>
         <p:spPr>
           <a:xfrm>
-            <a:off x="8680450" y="0"/>
-            <a:ext cx="3511550" cy="1924106"/>
+            <a:off x="7975043" y="0"/>
+            <a:ext cx="4216957" cy="2310624"/>
           </a:xfrm>
           <a:prstGeom prst="rect">
             <a:avLst/>
@@ -7049,7 +7084,12 @@
             <p:ph type="title"/>
           </p:nvPr>
         </p:nvSpPr>
-        <p:spPr/>
+        <p:spPr>
+          <a:xfrm>
+            <a:off x="234519" y="196613"/>
+            <a:ext cx="10515600" cy="1325563"/>
+          </a:xfrm>
+        </p:spPr>
         <p:txBody>
           <a:bodyPr/>
           <a:lstStyle/>
@@ -7078,8 +7118,8 @@
           </a:p>
         </p:txBody>
       </p:sp>
-      <mc:AlternateContent xmlns:mc="http://schemas.openxmlformats.org/markup-compatibility/2006" xmlns:a14="http://schemas.microsoft.com/office/drawing/2010/main">
-        <mc:Choice Requires="a14">
+      <mc:AlternateContent xmlns:mc="http://schemas.openxmlformats.org/markup-compatibility/2006">
+        <mc:Choice xmlns:a14="http://schemas.microsoft.com/office/drawing/2010/main" Requires="a14">
           <p:sp>
             <p:nvSpPr>
               <p:cNvPr id="3" name="Content Placeholder 2">
@@ -7627,6 +7667,10 @@
                 <a:endParaRPr lang="nl-BE" sz="2000" b="0" dirty="0"/>
               </a:p>
               <a:p>
+                <a:r>
+                  <a:rPr lang="nl-BE" sz="2000" dirty="0"/>
+                  <a:t>(</a:t>
+                </a:r>
                 <a14:m>
                   <m:oMath xmlns:m="http://schemas.openxmlformats.org/officeDocument/2006/math">
                     <m:f>
@@ -7652,6 +7696,55 @@
                           </a:rPr>
                           <m:t>𝐺</m:t>
                         </m:r>
+                        <m:r>
+                          <a:rPr lang="nl-BE" sz="2000" b="0" i="1" smtClean="0">
+                            <a:latin typeface="Cambria Math" panose="02040503050406030204" pitchFamily="18" charset="0"/>
+                            <a:ea typeface="Cambria Math" panose="02040503050406030204" pitchFamily="18" charset="0"/>
+                          </a:rPr>
+                          <m:t>(</m:t>
+                        </m:r>
+                        <m:r>
+                          <a:rPr lang="nl-BE" sz="2000" b="0" i="1" smtClean="0">
+                            <a:latin typeface="Cambria Math" panose="02040503050406030204" pitchFamily="18" charset="0"/>
+                            <a:ea typeface="Cambria Math" panose="02040503050406030204" pitchFamily="18" charset="0"/>
+                          </a:rPr>
+                          <m:t>𝑥</m:t>
+                        </m:r>
+                        <m:r>
+                          <a:rPr lang="nl-BE" sz="2000" b="0" i="1" smtClean="0">
+                            <a:latin typeface="Cambria Math" panose="02040503050406030204" pitchFamily="18" charset="0"/>
+                            <a:ea typeface="Cambria Math" panose="02040503050406030204" pitchFamily="18" charset="0"/>
+                          </a:rPr>
+                          <m:t>,</m:t>
+                        </m:r>
+                        <m:r>
+                          <a:rPr lang="nl-BE" sz="2000" b="0" i="1" smtClean="0">
+                            <a:latin typeface="Cambria Math" panose="02040503050406030204" pitchFamily="18" charset="0"/>
+                            <a:ea typeface="Cambria Math" panose="02040503050406030204" pitchFamily="18" charset="0"/>
+                          </a:rPr>
+                          <m:t>𝑢</m:t>
+                        </m:r>
+                        <m:r>
+                          <a:rPr lang="nl-BE" sz="2000" b="0" i="1" smtClean="0">
+                            <a:latin typeface="Cambria Math" panose="02040503050406030204" pitchFamily="18" charset="0"/>
+                            <a:ea typeface="Cambria Math" panose="02040503050406030204" pitchFamily="18" charset="0"/>
+                          </a:rPr>
+                          <m:t>,</m:t>
+                        </m:r>
+                        <m:r>
+                          <a:rPr lang="nl-BE" sz="2000" b="0" i="1" smtClean="0">
+                            <a:latin typeface="Cambria Math" panose="02040503050406030204" pitchFamily="18" charset="0"/>
+                            <a:ea typeface="Cambria Math" panose="02040503050406030204" pitchFamily="18" charset="0"/>
+                          </a:rPr>
+                          <m:t>𝑤</m:t>
+                        </m:r>
+                        <m:r>
+                          <a:rPr lang="nl-BE" sz="2000" b="0" i="1" smtClean="0">
+                            <a:latin typeface="Cambria Math" panose="02040503050406030204" pitchFamily="18" charset="0"/>
+                            <a:ea typeface="Cambria Math" panose="02040503050406030204" pitchFamily="18" charset="0"/>
+                          </a:rPr>
+                          <m:t>)</m:t>
+                        </m:r>
                       </m:num>
                       <m:den>
                         <m:r>
@@ -7670,6 +7763,48 @@
                         </m:r>
                       </m:den>
                     </m:f>
+                    <m:r>
+                      <a:rPr lang="nl-BE" sz="2000" b="0" i="1" smtClean="0">
+                        <a:latin typeface="Cambria Math" panose="02040503050406030204" pitchFamily="18" charset="0"/>
+                        <a:ea typeface="Cambria Math" panose="02040503050406030204" pitchFamily="18" charset="0"/>
+                      </a:rPr>
+                      <m:t>)</m:t>
+                    </m:r>
+                    <m:r>
+                      <a:rPr lang="nl-BE" sz="2000" b="0" i="1" baseline="-25000" smtClean="0">
+                        <a:latin typeface="Cambria Math" panose="02040503050406030204" pitchFamily="18" charset="0"/>
+                        <a:ea typeface="Cambria Math" panose="02040503050406030204" pitchFamily="18" charset="0"/>
+                      </a:rPr>
+                      <m:t>𝑥</m:t>
+                    </m:r>
+                    <m:r>
+                      <a:rPr lang="nl-BE" sz="2000" b="0" i="1" baseline="-25000" smtClean="0">
+                        <a:latin typeface="Cambria Math" panose="02040503050406030204" pitchFamily="18" charset="0"/>
+                        <a:ea typeface="Cambria Math" panose="02040503050406030204" pitchFamily="18" charset="0"/>
+                      </a:rPr>
+                      <m:t>=</m:t>
+                    </m:r>
+                    <m:r>
+                      <a:rPr lang="nl-BE" sz="2000" b="0" i="1" baseline="-25000" smtClean="0">
+                        <a:latin typeface="Cambria Math" panose="02040503050406030204" pitchFamily="18" charset="0"/>
+                        <a:ea typeface="Cambria Math" panose="02040503050406030204" pitchFamily="18" charset="0"/>
+                      </a:rPr>
+                      <m:t>𝑥</m:t>
+                    </m:r>
+                    <m:r>
+                      <a:rPr lang="nl-BE" sz="2000" b="0" i="1" baseline="-25000" smtClean="0">
+                        <a:latin typeface="Cambria Math" panose="02040503050406030204" pitchFamily="18" charset="0"/>
+                        <a:ea typeface="Cambria Math" panose="02040503050406030204" pitchFamily="18" charset="0"/>
+                      </a:rPr>
+                      <m:t>_</m:t>
+                    </m:r>
+                    <m:r>
+                      <a:rPr lang="nl-BE" sz="2000" b="0" i="1" baseline="-25000" smtClean="0">
+                        <a:latin typeface="Cambria Math" panose="02040503050406030204" pitchFamily="18" charset="0"/>
+                        <a:ea typeface="Cambria Math" panose="02040503050406030204" pitchFamily="18" charset="0"/>
+                      </a:rPr>
+                      <m:t>𝑘</m:t>
+                    </m:r>
                     <m:r>
                       <a:rPr lang="nl-BE" sz="2000" b="0" i="1" smtClean="0">
                         <a:latin typeface="Cambria Math" panose="02040503050406030204" pitchFamily="18" charset="0"/>
@@ -8140,7 +8275,7 @@
             </p:txBody>
           </p:sp>
         </mc:Choice>
-        <mc:Fallback xmlns="">
+        <mc:Fallback>
           <p:sp>
             <p:nvSpPr>
               <p:cNvPr id="3" name="Content Placeholder 2">
@@ -8201,8 +8336,8 @@
         </p:blipFill>
         <p:spPr>
           <a:xfrm>
-            <a:off x="8680450" y="0"/>
-            <a:ext cx="3511550" cy="1924106"/>
+            <a:off x="8011882" y="-1"/>
+            <a:ext cx="4180118" cy="2290439"/>
           </a:xfrm>
           <a:prstGeom prst="rect">
             <a:avLst/>
@@ -8526,158 +8661,6 @@
           </a:p>
         </p:txBody>
       </p:sp>
-      <mc:AlternateContent xmlns:mc="http://schemas.openxmlformats.org/markup-compatibility/2006" xmlns:a14="http://schemas.microsoft.com/office/drawing/2010/main">
-        <mc:Choice Requires="a14">
-          <p:sp>
-            <p:nvSpPr>
-              <p:cNvPr id="14" name="TextBox 13">
-                <a:extLst>
-                  <a:ext uri="{FF2B5EF4-FFF2-40B4-BE49-F238E27FC236}">
-                    <a16:creationId xmlns:a16="http://schemas.microsoft.com/office/drawing/2014/main" id="{901A74D0-DFE0-4314-9635-2708B8972C16}"/>
-                  </a:ext>
-                </a:extLst>
-              </p:cNvPr>
-              <p:cNvSpPr txBox="1"/>
-              <p:nvPr/>
-            </p:nvSpPr>
-            <p:spPr>
-              <a:xfrm>
-                <a:off x="4185920" y="3343734"/>
-                <a:ext cx="1656080" cy="369332"/>
-              </a:xfrm>
-              <a:prstGeom prst="rect">
-                <a:avLst/>
-              </a:prstGeom>
-              <a:noFill/>
-            </p:spPr>
-            <p:txBody>
-              <a:bodyPr wrap="square">
-                <a:spAutoFit/>
-              </a:bodyPr>
-              <a:lstStyle/>
-              <a:p>
-                <a:pPr/>
-                <a14:m>
-                  <m:oMathPara xmlns:m="http://schemas.openxmlformats.org/officeDocument/2006/math">
-                    <m:oMathParaPr>
-                      <m:jc m:val="centerGroup"/>
-                    </m:oMathParaPr>
-                    <m:oMath xmlns:m="http://schemas.openxmlformats.org/officeDocument/2006/math">
-                      <m:sSub>
-                        <m:sSubPr>
-                          <m:ctrlPr>
-                            <a:rPr lang="nl-BE" i="1" smtClean="0">
-                              <a:latin typeface="Cambria Math" panose="02040503050406030204" pitchFamily="18" charset="0"/>
-                            </a:rPr>
-                          </m:ctrlPr>
-                        </m:sSubPr>
-                        <m:e>
-                          <m:r>
-                            <a:rPr lang="nl-BE" i="1">
-                              <a:latin typeface="Cambria Math" panose="02040503050406030204" pitchFamily="18" charset="0"/>
-                            </a:rPr>
-                            <m:t>𝐶</m:t>
-                          </m:r>
-                        </m:e>
-                        <m:sub>
-                          <m:r>
-                            <a:rPr lang="nl-BE" i="1">
-                              <a:latin typeface="Cambria Math" panose="02040503050406030204" pitchFamily="18" charset="0"/>
-                            </a:rPr>
-                            <m:t>𝑘</m:t>
-                          </m:r>
-                        </m:sub>
-                      </m:sSub>
-                      <m:r>
-                        <a:rPr lang="nl-BE" b="0" i="1" smtClean="0">
-                          <a:latin typeface="Cambria Math" panose="02040503050406030204" pitchFamily="18" charset="0"/>
-                        </a:rPr>
-                        <m:t>=</m:t>
-                      </m:r>
-                      <m:sSub>
-                        <m:sSubPr>
-                          <m:ctrlPr>
-                            <a:rPr lang="nl-BE" sz="1800" b="0" i="1" smtClean="0">
-                              <a:latin typeface="Cambria Math" panose="02040503050406030204" pitchFamily="18" charset="0"/>
-                            </a:rPr>
-                          </m:ctrlPr>
-                        </m:sSubPr>
-                        <m:e>
-                          <m:r>
-                            <a:rPr lang="nl-BE" sz="1800" b="0" i="1" smtClean="0">
-                              <a:latin typeface="Cambria Math" panose="02040503050406030204" pitchFamily="18" charset="0"/>
-                            </a:rPr>
-                            <m:t>𝐶</m:t>
-                          </m:r>
-                        </m:e>
-                        <m:sub>
-                          <m:r>
-                            <a:rPr lang="nl-BE" sz="1800" b="0" i="1" smtClean="0">
-                              <a:latin typeface="Cambria Math" panose="02040503050406030204" pitchFamily="18" charset="0"/>
-                            </a:rPr>
-                            <m:t>𝑘</m:t>
-                          </m:r>
-                          <m:r>
-                            <a:rPr lang="nl-BE" sz="1800" b="0" i="1" smtClean="0">
-                              <a:latin typeface="Cambria Math" panose="02040503050406030204" pitchFamily="18" charset="0"/>
-                            </a:rPr>
-                            <m:t>+1</m:t>
-                          </m:r>
-                        </m:sub>
-                      </m:sSub>
-                    </m:oMath>
-                  </m:oMathPara>
-                </a14:m>
-                <a:endParaRPr lang="nl-BE" dirty="0"/>
-              </a:p>
-            </p:txBody>
-          </p:sp>
-        </mc:Choice>
-        <mc:Fallback xmlns="">
-          <p:sp>
-            <p:nvSpPr>
-              <p:cNvPr id="14" name="TextBox 13">
-                <a:extLst>
-                  <a:ext uri="{FF2B5EF4-FFF2-40B4-BE49-F238E27FC236}">
-                    <a16:creationId xmlns:a16="http://schemas.microsoft.com/office/drawing/2014/main" id="{901A74D0-DFE0-4314-9635-2708B8972C16}"/>
-                  </a:ext>
-                </a:extLst>
-              </p:cNvPr>
-              <p:cNvSpPr txBox="1">
-                <a:spLocks noRot="1" noChangeAspect="1" noMove="1" noResize="1" noEditPoints="1" noAdjustHandles="1" noChangeArrowheads="1" noChangeShapeType="1" noTextEdit="1"/>
-              </p:cNvSpPr>
-              <p:nvPr/>
-            </p:nvSpPr>
-            <p:spPr>
-              <a:xfrm>
-                <a:off x="4185920" y="3343734"/>
-                <a:ext cx="1656080" cy="369332"/>
-              </a:xfrm>
-              <a:prstGeom prst="rect">
-                <a:avLst/>
-              </a:prstGeom>
-              <a:blipFill>
-                <a:blip r:embed="rId5"/>
-                <a:stretch>
-                  <a:fillRect/>
-                </a:stretch>
-              </a:blipFill>
-            </p:spPr>
-            <p:txBody>
-              <a:bodyPr/>
-              <a:lstStyle/>
-              <a:p>
-                <a:r>
-                  <a:rPr lang="nl-BE">
-                    <a:noFill/>
-                  </a:rPr>
-                  <a:t> </a:t>
-                </a:r>
-              </a:p>
-            </p:txBody>
-          </p:sp>
-        </mc:Fallback>
-      </mc:AlternateContent>
     </p:spTree>
     <p:extLst>
       <p:ext uri="{BB962C8B-B14F-4D97-AF65-F5344CB8AC3E}">
